--- a/doc/Icons-TimerLab.pptx
+++ b/doc/Icons-TimerLab.pptx
@@ -135,6 +135,10 @@
 </p:presentation>
 </file>
 
+<file path=ppt/revisionInfo.xml><?xml version="1.0" encoding="utf-8"?>
+<p1510:revInfo xmlns:a="http://schemas.openxmlformats.org/drawingml/2006/main" xmlns:r="http://schemas.openxmlformats.org/officeDocument/2006/relationships" xmlns:p1510="http://schemas.microsoft.com/office/powerpoint/2015/10/main"/>
+</file>
+
 <file path=ppt/notesMasters/notesMaster1.xml><?xml version="1.0" encoding="utf-8"?>
 <p:notesMaster xmlns:a="http://schemas.openxmlformats.org/drawingml/2006/main" xmlns:r="http://schemas.openxmlformats.org/officeDocument/2006/relationships" xmlns:p="http://schemas.openxmlformats.org/presentationml/2006/main">
   <p:cSld>
@@ -217,7 +221,7 @@
           <a:p>
             <a:fld id="{6699ACB9-486C-4D62-A3A7-AF98E13EFDA3}" type="datetimeFigureOut">
               <a:rPr lang="en-US" smtClean="0"/>
-              <a:t>3/9/2017</a:t>
+              <a:t>6/13/2017</a:t>
             </a:fld>
             <a:endParaRPr lang="en-US"/>
           </a:p>
@@ -664,7 +668,7 @@
             <a:fld id="{1D8BD707-D9CF-40AE-B4C6-C98DA3205C09}" type="datetimeFigureOut">
               <a:rPr lang="en-US" smtClean="0"/>
               <a:pPr/>
-              <a:t>3/9/2017</a:t>
+              <a:t>6/13/2017</a:t>
             </a:fld>
             <a:endParaRPr lang="en-US"/>
           </a:p>
@@ -829,7 +833,7 @@
             <a:fld id="{1D8BD707-D9CF-40AE-B4C6-C98DA3205C09}" type="datetimeFigureOut">
               <a:rPr lang="en-US" smtClean="0"/>
               <a:pPr/>
-              <a:t>3/9/2017</a:t>
+              <a:t>6/13/2017</a:t>
             </a:fld>
             <a:endParaRPr lang="en-US"/>
           </a:p>
@@ -1004,7 +1008,7 @@
             <a:fld id="{1D8BD707-D9CF-40AE-B4C6-C98DA3205C09}" type="datetimeFigureOut">
               <a:rPr lang="en-US" smtClean="0"/>
               <a:pPr/>
-              <a:t>3/9/2017</a:t>
+              <a:t>6/13/2017</a:t>
             </a:fld>
             <a:endParaRPr lang="en-US"/>
           </a:p>
@@ -1169,7 +1173,7 @@
             <a:fld id="{1D8BD707-D9CF-40AE-B4C6-C98DA3205C09}" type="datetimeFigureOut">
               <a:rPr lang="en-US" smtClean="0"/>
               <a:pPr/>
-              <a:t>3/9/2017</a:t>
+              <a:t>6/13/2017</a:t>
             </a:fld>
             <a:endParaRPr lang="en-US"/>
           </a:p>
@@ -1411,7 +1415,7 @@
             <a:fld id="{1D8BD707-D9CF-40AE-B4C6-C98DA3205C09}" type="datetimeFigureOut">
               <a:rPr lang="en-US" smtClean="0"/>
               <a:pPr/>
-              <a:t>3/9/2017</a:t>
+              <a:t>6/13/2017</a:t>
             </a:fld>
             <a:endParaRPr lang="en-US"/>
           </a:p>
@@ -1693,7 +1697,7 @@
             <a:fld id="{1D8BD707-D9CF-40AE-B4C6-C98DA3205C09}" type="datetimeFigureOut">
               <a:rPr lang="en-US" smtClean="0"/>
               <a:pPr/>
-              <a:t>3/9/2017</a:t>
+              <a:t>6/13/2017</a:t>
             </a:fld>
             <a:endParaRPr lang="en-US"/>
           </a:p>
@@ -2109,7 +2113,7 @@
             <a:fld id="{1D8BD707-D9CF-40AE-B4C6-C98DA3205C09}" type="datetimeFigureOut">
               <a:rPr lang="en-US" smtClean="0"/>
               <a:pPr/>
-              <a:t>3/9/2017</a:t>
+              <a:t>6/13/2017</a:t>
             </a:fld>
             <a:endParaRPr lang="en-US"/>
           </a:p>
@@ -2223,7 +2227,7 @@
             <a:fld id="{1D8BD707-D9CF-40AE-B4C6-C98DA3205C09}" type="datetimeFigureOut">
               <a:rPr lang="en-US" smtClean="0"/>
               <a:pPr/>
-              <a:t>3/9/2017</a:t>
+              <a:t>6/13/2017</a:t>
             </a:fld>
             <a:endParaRPr lang="en-US"/>
           </a:p>
@@ -2315,7 +2319,7 @@
             <a:fld id="{1D8BD707-D9CF-40AE-B4C6-C98DA3205C09}" type="datetimeFigureOut">
               <a:rPr lang="en-US" smtClean="0"/>
               <a:pPr/>
-              <a:t>3/9/2017</a:t>
+              <a:t>6/13/2017</a:t>
             </a:fld>
             <a:endParaRPr lang="en-US"/>
           </a:p>
@@ -2587,7 +2591,7 @@
             <a:fld id="{1D8BD707-D9CF-40AE-B4C6-C98DA3205C09}" type="datetimeFigureOut">
               <a:rPr lang="en-US" smtClean="0"/>
               <a:pPr/>
-              <a:t>3/9/2017</a:t>
+              <a:t>6/13/2017</a:t>
             </a:fld>
             <a:endParaRPr lang="en-US"/>
           </a:p>
@@ -2836,7 +2840,7 @@
             <a:fld id="{1D8BD707-D9CF-40AE-B4C6-C98DA3205C09}" type="datetimeFigureOut">
               <a:rPr lang="en-US" smtClean="0"/>
               <a:pPr/>
-              <a:t>3/9/2017</a:t>
+              <a:t>6/13/2017</a:t>
             </a:fld>
             <a:endParaRPr lang="en-US"/>
           </a:p>
@@ -3044,7 +3048,7 @@
             <a:fld id="{1D8BD707-D9CF-40AE-B4C6-C98DA3205C09}" type="datetimeFigureOut">
               <a:rPr lang="en-US" smtClean="0"/>
               <a:pPr/>
-              <a:t>3/9/2017</a:t>
+              <a:t>6/13/2017</a:t>
             </a:fld>
             <a:endParaRPr lang="en-US"/>
           </a:p>
@@ -3433,7 +3437,7 @@
         </p:nvSpPr>
         <p:spPr>
           <a:xfrm>
-            <a:off x="276082" y="304800"/>
+            <a:off x="461596" y="389774"/>
             <a:ext cx="1938215" cy="369332"/>
           </a:xfrm>
           <a:prstGeom prst="rect">
@@ -3448,7 +3452,7 @@
           <a:lstStyle/>
           <a:p>
             <a:r>
-              <a:rPr lang="en-US" dirty="0" smtClean="0"/>
+              <a:rPr lang="en-US" dirty="0"/>
               <a:t>Timer Lab</a:t>
             </a:r>
             <a:endParaRPr lang="en-SG" dirty="0"/>
@@ -3479,7 +3483,7 @@
           <a:p>
             <a:pPr algn="ctr"/>
             <a:r>
-              <a:rPr lang="en-US" sz="800" dirty="0" smtClean="0"/>
+              <a:rPr lang="en-US" sz="800" dirty="0"/>
               <a:t>Timer Lab</a:t>
             </a:r>
             <a:endParaRPr lang="en-SG" sz="800" dirty="0"/>
@@ -3693,13 +3697,6 @@
   <p:clrMapOvr>
     <a:masterClrMapping/>
   </p:clrMapOvr>
-  <p:timing>
-    <p:tnLst>
-      <p:par>
-        <p:cTn id="1" dur="indefinite" restart="never" nodeType="tmRoot"/>
-      </p:par>
-    </p:tnLst>
-  </p:timing>
 </p:sld>
 </file>
 
